--- a/2021년 10월 30일 용접자동화로봇.pptx
+++ b/2021년 10월 30일 용접자동화로봇.pptx
@@ -137,7 +137,7 @@
   </p:defaultTextStyle>
   <p:extLst>
     <p:ext uri="{EFAFB233-063F-42B5-8137-9DF3F51BA10A}">
-      <p15:sldGuideLst xmlns:p15="http://schemas.microsoft.com/office/powerpoint/2012/main">
+      <p15:sldGuideLst xmlns:p15="http://schemas.microsoft.com/office/powerpoint/2012/main" xmlns="">
         <p15:guide id="1" orient="horz" pos="2159">
           <p15:clr>
             <a:srgbClr val="A4A3A4"/>
@@ -151,7 +151,7 @@
       </p15:sldGuideLst>
     </p:ext>
     <p:ext uri="{2D200454-40CA-4A62-9FC3-DE9A4176ACB9}">
-      <p15:notesGuideLst xmlns:p15="http://schemas.microsoft.com/office/powerpoint/2012/main">
+      <p15:notesGuideLst xmlns:p15="http://schemas.microsoft.com/office/powerpoint/2012/main" xmlns="">
         <p15:guide id="1" orient="horz" pos="3130">
           <p15:clr>
             <a:srgbClr val="A4A3A4"/>
@@ -265,7 +265,7 @@
               <a:pPr lvl="0">
                 <a:defRPr/>
               </a:pPr>
-              <a:t>2021. 10. 30.</a:t>
+              <a:t>2021-11-03</a:t>
             </a:fld>
             <a:endParaRPr lang="ko-KR" altLang="en-US">
               <a:latin typeface="210 옴니고딕OTF 030"/>
@@ -361,7 +361,7 @@
     </p:spTree>
     <p:extLst>
       <p:ext uri="{BB962C8B-B14F-4D97-AF65-F5344CB8AC3E}">
-        <p14:creationId xmlns:p14="http://schemas.microsoft.com/office/powerpoint/2010/main" val="1"/>
+        <p14:creationId xmlns:p14="http://schemas.microsoft.com/office/powerpoint/2010/main" xmlns="" val="1"/>
       </p:ext>
     </p:extLst>
   </p:cSld>
@@ -467,7 +467,7 @@
               <a:pPr lvl="0">
                 <a:defRPr/>
               </a:pPr>
-              <a:t>2021. 10. 30.</a:t>
+              <a:t>2021-11-03</a:t>
             </a:fld>
             <a:endParaRPr lang="ko-KR" altLang="en-US"/>
           </a:p>
@@ -872,7 +872,7 @@
     </p:spTree>
     <p:extLst>
       <p:ext uri="{BB962C8B-B14F-4D97-AF65-F5344CB8AC3E}">
-        <p14:creationId xmlns:p14="http://schemas.microsoft.com/office/powerpoint/2010/main" val="4016408655"/>
+        <p14:creationId xmlns:p14="http://schemas.microsoft.com/office/powerpoint/2010/main" xmlns="" val="4016408655"/>
       </p:ext>
     </p:extLst>
   </p:cSld>
@@ -933,7 +933,7 @@
     </p:spTree>
     <p:extLst>
       <p:ext uri="{BB962C8B-B14F-4D97-AF65-F5344CB8AC3E}">
-        <p14:creationId xmlns:p14="http://schemas.microsoft.com/office/powerpoint/2010/main" val="2384441253"/>
+        <p14:creationId xmlns:p14="http://schemas.microsoft.com/office/powerpoint/2010/main" xmlns="" val="2384441253"/>
       </p:ext>
     </p:extLst>
   </p:cSld>
@@ -994,7 +994,7 @@
     </p:spTree>
     <p:extLst>
       <p:ext uri="{BB962C8B-B14F-4D97-AF65-F5344CB8AC3E}">
-        <p14:creationId xmlns:p14="http://schemas.microsoft.com/office/powerpoint/2010/main" val="2833623149"/>
+        <p14:creationId xmlns:p14="http://schemas.microsoft.com/office/powerpoint/2010/main" xmlns="" val="2833623149"/>
       </p:ext>
     </p:extLst>
   </p:cSld>
@@ -1055,7 +1055,7 @@
     </p:spTree>
     <p:extLst>
       <p:ext uri="{BB962C8B-B14F-4D97-AF65-F5344CB8AC3E}">
-        <p14:creationId xmlns:p14="http://schemas.microsoft.com/office/powerpoint/2010/main" val="2659014675"/>
+        <p14:creationId xmlns:p14="http://schemas.microsoft.com/office/powerpoint/2010/main" xmlns="" val="2659014675"/>
       </p:ext>
     </p:extLst>
   </p:cSld>
@@ -1116,7 +1116,7 @@
     </p:spTree>
     <p:extLst>
       <p:ext uri="{BB962C8B-B14F-4D97-AF65-F5344CB8AC3E}">
-        <p14:creationId xmlns:p14="http://schemas.microsoft.com/office/powerpoint/2010/main" val="255697417"/>
+        <p14:creationId xmlns:p14="http://schemas.microsoft.com/office/powerpoint/2010/main" xmlns="" val="255697417"/>
       </p:ext>
     </p:extLst>
   </p:cSld>
@@ -2067,7 +2067,7 @@
     </p:spTree>
     <p:extLst>
       <p:ext uri="{BB962C8B-B14F-4D97-AF65-F5344CB8AC3E}">
-        <p14:creationId xmlns:p14="http://schemas.microsoft.com/office/powerpoint/2010/main" val="2201548464"/>
+        <p14:creationId xmlns:p14="http://schemas.microsoft.com/office/powerpoint/2010/main" xmlns="" val="2201548464"/>
       </p:ext>
     </p:extLst>
   </p:cSld>
@@ -2128,7 +2128,7 @@
     </p:spTree>
     <p:extLst>
       <p:ext uri="{BB962C8B-B14F-4D97-AF65-F5344CB8AC3E}">
-        <p14:creationId xmlns:p14="http://schemas.microsoft.com/office/powerpoint/2010/main" val="3409580557"/>
+        <p14:creationId xmlns:p14="http://schemas.microsoft.com/office/powerpoint/2010/main" xmlns="" val="3409580557"/>
       </p:ext>
     </p:extLst>
   </p:cSld>
@@ -2189,7 +2189,7 @@
     </p:spTree>
     <p:extLst>
       <p:ext uri="{BB962C8B-B14F-4D97-AF65-F5344CB8AC3E}">
-        <p14:creationId xmlns:p14="http://schemas.microsoft.com/office/powerpoint/2010/main" val="3804509505"/>
+        <p14:creationId xmlns:p14="http://schemas.microsoft.com/office/powerpoint/2010/main" xmlns="" val="3804509505"/>
       </p:ext>
     </p:extLst>
   </p:cSld>
@@ -2250,7 +2250,7 @@
     </p:spTree>
     <p:extLst>
       <p:ext uri="{BB962C8B-B14F-4D97-AF65-F5344CB8AC3E}">
-        <p14:creationId xmlns:p14="http://schemas.microsoft.com/office/powerpoint/2010/main" val="3942511925"/>
+        <p14:creationId xmlns:p14="http://schemas.microsoft.com/office/powerpoint/2010/main" xmlns="" val="3942511925"/>
       </p:ext>
     </p:extLst>
   </p:cSld>
@@ -2760,7 +2760,7 @@
             <a:fld id="{9AA08716-9E6A-4A24-8493-A72AA37BBD5C}" type="datetime1">
               <a:rPr lang="ko-KR" altLang="en-US" smtClean="0"/>
               <a:pPr/>
-              <a:t>2021. 10. 30.</a:t>
+              <a:t>2021-11-03</a:t>
             </a:fld>
             <a:endParaRPr lang="ko-KR" altLang="en-US"/>
           </a:p>
@@ -3505,7 +3505,7 @@
             <a:fld id="{23ED893E-93B8-4B8A-8BD5-4FF00A5A9556}" type="datetime1">
               <a:rPr lang="ko-KR" altLang="en-US" smtClean="0"/>
               <a:pPr/>
-              <a:t>2021. 10. 30.</a:t>
+              <a:t>2021-11-03</a:t>
             </a:fld>
             <a:endParaRPr lang="ko-KR" altLang="en-US"/>
           </a:p>
@@ -3817,7 +3817,7 @@
             <a:fld id="{AD83C14E-3BC2-4ABB-AFDC-03F6C50D0B8B}" type="datetime1">
               <a:rPr lang="ko-KR" altLang="en-US" smtClean="0"/>
               <a:pPr/>
-              <a:t>2021. 10. 30.</a:t>
+              <a:t>2021-11-03</a:t>
             </a:fld>
             <a:endParaRPr lang="ko-KR" altLang="en-US"/>
           </a:p>
@@ -4070,7 +4070,7 @@
             <a:fld id="{BCFE353A-24AE-49E2-9FB4-53150C2D7D5F}" type="datetime1">
               <a:rPr lang="ko-KR" altLang="en-US" smtClean="0"/>
               <a:pPr/>
-              <a:t>2021. 10. 30.</a:t>
+              <a:t>2021-11-03</a:t>
             </a:fld>
             <a:endParaRPr lang="ko-KR" altLang="en-US" dirty="0"/>
           </a:p>
@@ -4294,7 +4294,7 @@
             <a:fld id="{45647EB5-D19B-4F20-BDF9-0E9ED1B081AA}" type="datetime1">
               <a:rPr lang="ko-KR" altLang="en-US" smtClean="0"/>
               <a:pPr/>
-              <a:t>2021. 10. 30.</a:t>
+              <a:t>2021-11-03</a:t>
             </a:fld>
             <a:endParaRPr lang="ko-KR" altLang="en-US" dirty="0"/>
           </a:p>
@@ -4518,7 +4518,7 @@
             <a:fld id="{0C02E562-3E81-4222-A4D4-0743A1730EDA}" type="datetime1">
               <a:rPr lang="ko-KR" altLang="en-US" smtClean="0"/>
               <a:pPr/>
-              <a:t>2021. 10. 30.</a:t>
+              <a:t>2021-11-03</a:t>
             </a:fld>
             <a:endParaRPr lang="ko-KR" altLang="en-US" dirty="0"/>
           </a:p>
@@ -5323,7 +5323,7 @@
           <p:cNvPr id="8" name="그림 7">
             <a:extLst>
               <a:ext uri="{FF2B5EF4-FFF2-40B4-BE49-F238E27FC236}">
-                <a16:creationId xmlns:a16="http://schemas.microsoft.com/office/drawing/2014/main" id="{62BD32CB-DFBB-4974-8112-0120D9E81DC6}"/>
+                <a16:creationId xmlns:a16="http://schemas.microsoft.com/office/drawing/2014/main" xmlns="" id="{62BD32CB-DFBB-4974-8112-0120D9E81DC6}"/>
               </a:ext>
             </a:extLst>
           </p:cNvPr>
@@ -5336,7 +5336,7 @@
           <a:blip r:embed="rId3" cstate="print">
             <a:extLst>
               <a:ext uri="{28A0092B-C50C-407E-A947-70E740481C1C}">
-                <a14:useLocalDpi xmlns:a14="http://schemas.microsoft.com/office/drawing/2010/main" val="0"/>
+                <a14:useLocalDpi xmlns:a14="http://schemas.microsoft.com/office/drawing/2010/main" xmlns="" val="0"/>
               </a:ext>
             </a:extLst>
           </a:blip>
@@ -5359,7 +5359,7 @@
           <p:cNvPr id="4" name="슬라이드 번호 개체 틀 3">
             <a:extLst>
               <a:ext uri="{FF2B5EF4-FFF2-40B4-BE49-F238E27FC236}">
-                <a16:creationId xmlns:a16="http://schemas.microsoft.com/office/drawing/2014/main" id="{01DE573C-8BAB-4114-8888-F2A5A62451CA}"/>
+                <a16:creationId xmlns:a16="http://schemas.microsoft.com/office/drawing/2014/main" xmlns="" id="{01DE573C-8BAB-4114-8888-F2A5A62451CA}"/>
               </a:ext>
             </a:extLst>
           </p:cNvPr>
@@ -5389,7 +5389,7 @@
           <p:cNvPr id="11" name="직선 연결선 10">
             <a:extLst>
               <a:ext uri="{FF2B5EF4-FFF2-40B4-BE49-F238E27FC236}">
-                <a16:creationId xmlns:a16="http://schemas.microsoft.com/office/drawing/2014/main" id="{37626B73-C0E6-4FF6-8368-9AE7DB7A2274}"/>
+                <a16:creationId xmlns:a16="http://schemas.microsoft.com/office/drawing/2014/main" xmlns="" id="{37626B73-C0E6-4FF6-8368-9AE7DB7A2274}"/>
               </a:ext>
             </a:extLst>
           </p:cNvPr>
@@ -5544,7 +5544,7 @@
           <p:cNvPr id="22" name="그림 21">
             <a:extLst>
               <a:ext uri="{FF2B5EF4-FFF2-40B4-BE49-F238E27FC236}">
-                <a16:creationId xmlns:a16="http://schemas.microsoft.com/office/drawing/2014/main" id="{FCFEE50E-57BA-4DB6-B7EE-66ECDF4A1020}"/>
+                <a16:creationId xmlns:a16="http://schemas.microsoft.com/office/drawing/2014/main" xmlns="" id="{FCFEE50E-57BA-4DB6-B7EE-66ECDF4A1020}"/>
               </a:ext>
             </a:extLst>
           </p:cNvPr>
@@ -5557,7 +5557,7 @@
           <a:blip r:embed="rId3" cstate="print">
             <a:extLst>
               <a:ext uri="{28A0092B-C50C-407E-A947-70E740481C1C}">
-                <a14:useLocalDpi xmlns:a14="http://schemas.microsoft.com/office/drawing/2010/main" val="0"/>
+                <a14:useLocalDpi xmlns:a14="http://schemas.microsoft.com/office/drawing/2010/main" xmlns="" val="0"/>
               </a:ext>
             </a:extLst>
           </a:blip>
@@ -5580,7 +5580,7 @@
           <p:cNvPr id="18" name="TextBox 17">
             <a:extLst>
               <a:ext uri="{FF2B5EF4-FFF2-40B4-BE49-F238E27FC236}">
-                <a16:creationId xmlns:a16="http://schemas.microsoft.com/office/drawing/2014/main" id="{9842D489-1E22-4BAC-A4E7-CB30C20D43FB}"/>
+                <a16:creationId xmlns:a16="http://schemas.microsoft.com/office/drawing/2014/main" xmlns="" id="{9842D489-1E22-4BAC-A4E7-CB30C20D43FB}"/>
               </a:ext>
             </a:extLst>
           </p:cNvPr>
@@ -5954,7 +5954,7 @@
           <p:cNvPr id="6" name="내용 개체 틀 2">
             <a:extLst>
               <a:ext uri="{FF2B5EF4-FFF2-40B4-BE49-F238E27FC236}">
-                <a16:creationId xmlns:a16="http://schemas.microsoft.com/office/drawing/2014/main" id="{FFC3785C-829D-410F-9E15-1D4D13DDE777}"/>
+                <a16:creationId xmlns:a16="http://schemas.microsoft.com/office/drawing/2014/main" xmlns="" id="{FFC3785C-829D-410F-9E15-1D4D13DDE777}"/>
               </a:ext>
             </a:extLst>
           </p:cNvPr>
@@ -6150,7 +6150,7 @@
     </p:spTree>
     <p:extLst>
       <p:ext uri="{BB962C8B-B14F-4D97-AF65-F5344CB8AC3E}">
-        <p14:creationId xmlns:p14="http://schemas.microsoft.com/office/powerpoint/2010/main" val="2018792634"/>
+        <p14:creationId xmlns:p14="http://schemas.microsoft.com/office/powerpoint/2010/main" xmlns="" val="2018792634"/>
       </p:ext>
     </p:extLst>
   </p:cSld>
@@ -6267,7 +6267,7 @@
           <p:cNvPr id="22" name="그림 21">
             <a:extLst>
               <a:ext uri="{FF2B5EF4-FFF2-40B4-BE49-F238E27FC236}">
-                <a16:creationId xmlns:a16="http://schemas.microsoft.com/office/drawing/2014/main" id="{FCFEE50E-57BA-4DB6-B7EE-66ECDF4A1020}"/>
+                <a16:creationId xmlns:a16="http://schemas.microsoft.com/office/drawing/2014/main" xmlns="" id="{FCFEE50E-57BA-4DB6-B7EE-66ECDF4A1020}"/>
               </a:ext>
             </a:extLst>
           </p:cNvPr>
@@ -6280,7 +6280,7 @@
           <a:blip r:embed="rId3" cstate="print">
             <a:extLst>
               <a:ext uri="{28A0092B-C50C-407E-A947-70E740481C1C}">
-                <a14:useLocalDpi xmlns:a14="http://schemas.microsoft.com/office/drawing/2010/main" val="0"/>
+                <a14:useLocalDpi xmlns:a14="http://schemas.microsoft.com/office/drawing/2010/main" xmlns="" val="0"/>
               </a:ext>
             </a:extLst>
           </a:blip>
@@ -6303,7 +6303,7 @@
           <p:cNvPr id="18" name="TextBox 17">
             <a:extLst>
               <a:ext uri="{FF2B5EF4-FFF2-40B4-BE49-F238E27FC236}">
-                <a16:creationId xmlns:a16="http://schemas.microsoft.com/office/drawing/2014/main" id="{9842D489-1E22-4BAC-A4E7-CB30C20D43FB}"/>
+                <a16:creationId xmlns:a16="http://schemas.microsoft.com/office/drawing/2014/main" xmlns="" id="{9842D489-1E22-4BAC-A4E7-CB30C20D43FB}"/>
               </a:ext>
             </a:extLst>
           </p:cNvPr>
@@ -6666,7 +6666,7 @@
           <p:cNvPr id="6" name="내용 개체 틀 2">
             <a:extLst>
               <a:ext uri="{FF2B5EF4-FFF2-40B4-BE49-F238E27FC236}">
-                <a16:creationId xmlns:a16="http://schemas.microsoft.com/office/drawing/2014/main" id="{FFC3785C-829D-410F-9E15-1D4D13DDE777}"/>
+                <a16:creationId xmlns:a16="http://schemas.microsoft.com/office/drawing/2014/main" xmlns="" id="{FFC3785C-829D-410F-9E15-1D4D13DDE777}"/>
               </a:ext>
             </a:extLst>
           </p:cNvPr>
@@ -6864,7 +6864,7 @@
           <p:cNvPr id="28" name="Right Arrow 27">
             <a:extLst>
               <a:ext uri="{FF2B5EF4-FFF2-40B4-BE49-F238E27FC236}">
-                <a16:creationId xmlns:a16="http://schemas.microsoft.com/office/drawing/2014/main" id="{4D8AB36F-B43E-C34A-BFA0-D97C03775FC2}"/>
+                <a16:creationId xmlns:a16="http://schemas.microsoft.com/office/drawing/2014/main" xmlns="" id="{4D8AB36F-B43E-C34A-BFA0-D97C03775FC2}"/>
               </a:ext>
             </a:extLst>
           </p:cNvPr>
@@ -6909,7 +6909,7 @@
           <a:lstStyle/>
           <a:p>
             <a:pPr algn="ctr"/>
-            <a:endParaRPr lang="en-KR" sz="1350"/>
+            <a:endParaRPr lang="x-none" sz="1350"/>
           </a:p>
         </p:txBody>
       </p:sp>
@@ -6918,7 +6918,7 @@
           <p:cNvPr id="29" name="TextBox 28">
             <a:extLst>
               <a:ext uri="{FF2B5EF4-FFF2-40B4-BE49-F238E27FC236}">
-                <a16:creationId xmlns:a16="http://schemas.microsoft.com/office/drawing/2014/main" id="{7BE02999-DCA5-AB42-9D9B-C808801E088C}"/>
+                <a16:creationId xmlns:a16="http://schemas.microsoft.com/office/drawing/2014/main" xmlns="" id="{7BE02999-DCA5-AB42-9D9B-C808801E088C}"/>
               </a:ext>
             </a:extLst>
           </p:cNvPr>
@@ -6945,14 +6945,14 @@
               <a:rPr lang="ko-KR" altLang="en-US" sz="1500" b="1" dirty="0"/>
               <a:t>균열 발생률 극대화</a:t>
             </a:r>
-            <a:endParaRPr lang="en-KR" sz="1500" b="1" dirty="0"/>
+            <a:endParaRPr lang="x-none" sz="1500" b="1" dirty="0"/>
           </a:p>
         </p:txBody>
       </p:sp>
     </p:spTree>
     <p:extLst>
       <p:ext uri="{BB962C8B-B14F-4D97-AF65-F5344CB8AC3E}">
-        <p14:creationId xmlns:p14="http://schemas.microsoft.com/office/powerpoint/2010/main" val="4091307353"/>
+        <p14:creationId xmlns:p14="http://schemas.microsoft.com/office/powerpoint/2010/main" xmlns="" val="4091307353"/>
       </p:ext>
     </p:extLst>
   </p:cSld>
@@ -7067,7 +7067,7 @@
           <p:cNvPr id="22" name="그림 21">
             <a:extLst>
               <a:ext uri="{FF2B5EF4-FFF2-40B4-BE49-F238E27FC236}">
-                <a16:creationId xmlns:a16="http://schemas.microsoft.com/office/drawing/2014/main" id="{FCFEE50E-57BA-4DB6-B7EE-66ECDF4A1020}"/>
+                <a16:creationId xmlns:a16="http://schemas.microsoft.com/office/drawing/2014/main" xmlns="" id="{FCFEE50E-57BA-4DB6-B7EE-66ECDF4A1020}"/>
               </a:ext>
             </a:extLst>
           </p:cNvPr>
@@ -7080,7 +7080,7 @@
           <a:blip r:embed="rId3" cstate="print">
             <a:extLst>
               <a:ext uri="{28A0092B-C50C-407E-A947-70E740481C1C}">
-                <a14:useLocalDpi xmlns:a14="http://schemas.microsoft.com/office/drawing/2010/main" val="0"/>
+                <a14:useLocalDpi xmlns:a14="http://schemas.microsoft.com/office/drawing/2010/main" xmlns="" val="0"/>
               </a:ext>
             </a:extLst>
           </a:blip>
@@ -7103,7 +7103,7 @@
           <p:cNvPr id="18" name="TextBox 17">
             <a:extLst>
               <a:ext uri="{FF2B5EF4-FFF2-40B4-BE49-F238E27FC236}">
-                <a16:creationId xmlns:a16="http://schemas.microsoft.com/office/drawing/2014/main" id="{9842D489-1E22-4BAC-A4E7-CB30C20D43FB}"/>
+                <a16:creationId xmlns:a16="http://schemas.microsoft.com/office/drawing/2014/main" xmlns="" id="{9842D489-1E22-4BAC-A4E7-CB30C20D43FB}"/>
               </a:ext>
             </a:extLst>
           </p:cNvPr>
@@ -7314,7 +7314,7 @@
           <p:cNvPr id="6" name="내용 개체 틀 2">
             <a:extLst>
               <a:ext uri="{FF2B5EF4-FFF2-40B4-BE49-F238E27FC236}">
-                <a16:creationId xmlns:a16="http://schemas.microsoft.com/office/drawing/2014/main" id="{FFC3785C-829D-410F-9E15-1D4D13DDE777}"/>
+                <a16:creationId xmlns:a16="http://schemas.microsoft.com/office/drawing/2014/main" xmlns="" id="{FFC3785C-829D-410F-9E15-1D4D13DDE777}"/>
               </a:ext>
             </a:extLst>
           </p:cNvPr>
@@ -7530,7 +7530,7 @@
     </p:spTree>
     <p:extLst>
       <p:ext uri="{BB962C8B-B14F-4D97-AF65-F5344CB8AC3E}">
-        <p14:creationId xmlns:p14="http://schemas.microsoft.com/office/powerpoint/2010/main" val="2623793167"/>
+        <p14:creationId xmlns:p14="http://schemas.microsoft.com/office/powerpoint/2010/main" xmlns="" val="2623793167"/>
       </p:ext>
     </p:extLst>
   </p:cSld>
@@ -7645,7 +7645,7 @@
           <p:cNvPr id="22" name="그림 21">
             <a:extLst>
               <a:ext uri="{FF2B5EF4-FFF2-40B4-BE49-F238E27FC236}">
-                <a16:creationId xmlns:a16="http://schemas.microsoft.com/office/drawing/2014/main" id="{FCFEE50E-57BA-4DB6-B7EE-66ECDF4A1020}"/>
+                <a16:creationId xmlns:a16="http://schemas.microsoft.com/office/drawing/2014/main" xmlns="" id="{FCFEE50E-57BA-4DB6-B7EE-66ECDF4A1020}"/>
               </a:ext>
             </a:extLst>
           </p:cNvPr>
@@ -7658,7 +7658,7 @@
           <a:blip r:embed="rId3" cstate="print">
             <a:extLst>
               <a:ext uri="{28A0092B-C50C-407E-A947-70E740481C1C}">
-                <a14:useLocalDpi xmlns:a14="http://schemas.microsoft.com/office/drawing/2010/main" val="0"/>
+                <a14:useLocalDpi xmlns:a14="http://schemas.microsoft.com/office/drawing/2010/main" xmlns="" val="0"/>
               </a:ext>
             </a:extLst>
           </a:blip>
@@ -7681,7 +7681,7 @@
           <p:cNvPr id="18" name="TextBox 17">
             <a:extLst>
               <a:ext uri="{FF2B5EF4-FFF2-40B4-BE49-F238E27FC236}">
-                <a16:creationId xmlns:a16="http://schemas.microsoft.com/office/drawing/2014/main" id="{9842D489-1E22-4BAC-A4E7-CB30C20D43FB}"/>
+                <a16:creationId xmlns:a16="http://schemas.microsoft.com/office/drawing/2014/main" xmlns="" id="{9842D489-1E22-4BAC-A4E7-CB30C20D43FB}"/>
               </a:ext>
             </a:extLst>
           </p:cNvPr>
@@ -7832,7 +7832,7 @@
           <p:cNvPr id="6" name="내용 개체 틀 2">
             <a:extLst>
               <a:ext uri="{FF2B5EF4-FFF2-40B4-BE49-F238E27FC236}">
-                <a16:creationId xmlns:a16="http://schemas.microsoft.com/office/drawing/2014/main" id="{FFC3785C-829D-410F-9E15-1D4D13DDE777}"/>
+                <a16:creationId xmlns:a16="http://schemas.microsoft.com/office/drawing/2014/main" xmlns="" id="{FFC3785C-829D-410F-9E15-1D4D13DDE777}"/>
               </a:ext>
             </a:extLst>
           </p:cNvPr>
@@ -8064,7 +8064,7 @@
           <a:noFill/>
           <a:extLst>
             <a:ext uri="{909E8E84-426E-40DD-AFC4-6F175D3DCCD1}">
-              <a14:hiddenFill xmlns:a14="http://schemas.microsoft.com/office/drawing/2010/main">
+              <a14:hiddenFill xmlns:a14="http://schemas.microsoft.com/office/drawing/2010/main" xmlns="">
                 <a:solidFill>
                   <a:srgbClr val="FFFFFF"/>
                 </a:solidFill>
@@ -8089,7 +8089,7 @@
           <p:cNvPr id="10" name="TextBox 9">
             <a:extLst>
               <a:ext uri="{FF2B5EF4-FFF2-40B4-BE49-F238E27FC236}">
-                <a16:creationId xmlns:a16="http://schemas.microsoft.com/office/drawing/2014/main" id="{9842D489-1E22-4BAC-A4E7-CB30C20D43FB}"/>
+                <a16:creationId xmlns:a16="http://schemas.microsoft.com/office/drawing/2014/main" xmlns="" id="{9842D489-1E22-4BAC-A4E7-CB30C20D43FB}"/>
               </a:ext>
             </a:extLst>
           </p:cNvPr>
@@ -8173,7 +8173,7 @@
     </p:spTree>
     <p:extLst>
       <p:ext uri="{BB962C8B-B14F-4D97-AF65-F5344CB8AC3E}">
-        <p14:creationId xmlns:p14="http://schemas.microsoft.com/office/powerpoint/2010/main" val="3137879175"/>
+        <p14:creationId xmlns:p14="http://schemas.microsoft.com/office/powerpoint/2010/main" xmlns="" val="3137879175"/>
       </p:ext>
     </p:extLst>
   </p:cSld>
@@ -8288,7 +8288,7 @@
           <p:cNvPr id="22" name="그림 21">
             <a:extLst>
               <a:ext uri="{FF2B5EF4-FFF2-40B4-BE49-F238E27FC236}">
-                <a16:creationId xmlns:a16="http://schemas.microsoft.com/office/drawing/2014/main" id="{FCFEE50E-57BA-4DB6-B7EE-66ECDF4A1020}"/>
+                <a16:creationId xmlns:a16="http://schemas.microsoft.com/office/drawing/2014/main" xmlns="" id="{FCFEE50E-57BA-4DB6-B7EE-66ECDF4A1020}"/>
               </a:ext>
             </a:extLst>
           </p:cNvPr>
@@ -8301,7 +8301,7 @@
           <a:blip r:embed="rId3" cstate="print">
             <a:extLst>
               <a:ext uri="{28A0092B-C50C-407E-A947-70E740481C1C}">
-                <a14:useLocalDpi xmlns:a14="http://schemas.microsoft.com/office/drawing/2010/main" val="0"/>
+                <a14:useLocalDpi xmlns:a14="http://schemas.microsoft.com/office/drawing/2010/main" xmlns="" val="0"/>
               </a:ext>
             </a:extLst>
           </a:blip>
@@ -8324,7 +8324,7 @@
           <p:cNvPr id="18" name="TextBox 17">
             <a:extLst>
               <a:ext uri="{FF2B5EF4-FFF2-40B4-BE49-F238E27FC236}">
-                <a16:creationId xmlns:a16="http://schemas.microsoft.com/office/drawing/2014/main" id="{9842D489-1E22-4BAC-A4E7-CB30C20D43FB}"/>
+                <a16:creationId xmlns:a16="http://schemas.microsoft.com/office/drawing/2014/main" xmlns="" id="{9842D489-1E22-4BAC-A4E7-CB30C20D43FB}"/>
               </a:ext>
             </a:extLst>
           </p:cNvPr>
@@ -8497,7 +8497,7 @@
           <p:cNvPr id="6" name="내용 개체 틀 2">
             <a:extLst>
               <a:ext uri="{FF2B5EF4-FFF2-40B4-BE49-F238E27FC236}">
-                <a16:creationId xmlns:a16="http://schemas.microsoft.com/office/drawing/2014/main" id="{FFC3785C-829D-410F-9E15-1D4D13DDE777}"/>
+                <a16:creationId xmlns:a16="http://schemas.microsoft.com/office/drawing/2014/main" xmlns="" id="{FFC3785C-829D-410F-9E15-1D4D13DDE777}"/>
               </a:ext>
             </a:extLst>
           </p:cNvPr>
@@ -8729,7 +8729,7 @@
           <a:noFill/>
           <a:extLst>
             <a:ext uri="{909E8E84-426E-40DD-AFC4-6F175D3DCCD1}">
-              <a14:hiddenFill xmlns:a14="http://schemas.microsoft.com/office/drawing/2010/main">
+              <a14:hiddenFill xmlns:a14="http://schemas.microsoft.com/office/drawing/2010/main" xmlns="">
                 <a:solidFill>
                   <a:srgbClr val="FFFFFF"/>
                 </a:solidFill>
@@ -8754,7 +8754,7 @@
           <p:cNvPr id="10" name="TextBox 9">
             <a:extLst>
               <a:ext uri="{FF2B5EF4-FFF2-40B4-BE49-F238E27FC236}">
-                <a16:creationId xmlns:a16="http://schemas.microsoft.com/office/drawing/2014/main" id="{9842D489-1E22-4BAC-A4E7-CB30C20D43FB}"/>
+                <a16:creationId xmlns:a16="http://schemas.microsoft.com/office/drawing/2014/main" xmlns="" id="{9842D489-1E22-4BAC-A4E7-CB30C20D43FB}"/>
               </a:ext>
             </a:extLst>
           </p:cNvPr>
@@ -8838,7 +8838,7 @@
     </p:spTree>
     <p:extLst>
       <p:ext uri="{BB962C8B-B14F-4D97-AF65-F5344CB8AC3E}">
-        <p14:creationId xmlns:p14="http://schemas.microsoft.com/office/powerpoint/2010/main" val="3897476139"/>
+        <p14:creationId xmlns:p14="http://schemas.microsoft.com/office/powerpoint/2010/main" xmlns="" val="3897476139"/>
       </p:ext>
     </p:extLst>
   </p:cSld>
@@ -8953,7 +8953,7 @@
           <p:cNvPr id="22" name="그림 21">
             <a:extLst>
               <a:ext uri="{FF2B5EF4-FFF2-40B4-BE49-F238E27FC236}">
-                <a16:creationId xmlns:a16="http://schemas.microsoft.com/office/drawing/2014/main" id="{FCFEE50E-57BA-4DB6-B7EE-66ECDF4A1020}"/>
+                <a16:creationId xmlns:a16="http://schemas.microsoft.com/office/drawing/2014/main" xmlns="" id="{FCFEE50E-57BA-4DB6-B7EE-66ECDF4A1020}"/>
               </a:ext>
             </a:extLst>
           </p:cNvPr>
@@ -8966,7 +8966,7 @@
           <a:blip r:embed="rId3" cstate="print">
             <a:extLst>
               <a:ext uri="{28A0092B-C50C-407E-A947-70E740481C1C}">
-                <a14:useLocalDpi xmlns:a14="http://schemas.microsoft.com/office/drawing/2010/main" val="0"/>
+                <a14:useLocalDpi xmlns:a14="http://schemas.microsoft.com/office/drawing/2010/main" xmlns="" val="0"/>
               </a:ext>
             </a:extLst>
           </a:blip>
@@ -8989,7 +8989,7 @@
           <p:cNvPr id="18" name="TextBox 17">
             <a:extLst>
               <a:ext uri="{FF2B5EF4-FFF2-40B4-BE49-F238E27FC236}">
-                <a16:creationId xmlns:a16="http://schemas.microsoft.com/office/drawing/2014/main" id="{9842D489-1E22-4BAC-A4E7-CB30C20D43FB}"/>
+                <a16:creationId xmlns:a16="http://schemas.microsoft.com/office/drawing/2014/main" xmlns="" id="{9842D489-1E22-4BAC-A4E7-CB30C20D43FB}"/>
               </a:ext>
             </a:extLst>
           </p:cNvPr>
@@ -9189,7 +9189,7 @@
           <p:cNvPr id="6" name="내용 개체 틀 2">
             <a:extLst>
               <a:ext uri="{FF2B5EF4-FFF2-40B4-BE49-F238E27FC236}">
-                <a16:creationId xmlns:a16="http://schemas.microsoft.com/office/drawing/2014/main" id="{FFC3785C-829D-410F-9E15-1D4D13DDE777}"/>
+                <a16:creationId xmlns:a16="http://schemas.microsoft.com/office/drawing/2014/main" xmlns="" id="{FFC3785C-829D-410F-9E15-1D4D13DDE777}"/>
               </a:ext>
             </a:extLst>
           </p:cNvPr>
@@ -9387,7 +9387,7 @@
           <p:cNvPr id="7" name="TextBox 6">
             <a:extLst>
               <a:ext uri="{FF2B5EF4-FFF2-40B4-BE49-F238E27FC236}">
-                <a16:creationId xmlns:a16="http://schemas.microsoft.com/office/drawing/2014/main" id="{9842D489-1E22-4BAC-A4E7-CB30C20D43FB}"/>
+                <a16:creationId xmlns:a16="http://schemas.microsoft.com/office/drawing/2014/main" xmlns="" id="{9842D489-1E22-4BAC-A4E7-CB30C20D43FB}"/>
               </a:ext>
             </a:extLst>
           </p:cNvPr>
@@ -9496,7 +9496,7 @@
     </p:spTree>
     <p:extLst>
       <p:ext uri="{BB962C8B-B14F-4D97-AF65-F5344CB8AC3E}">
-        <p14:creationId xmlns:p14="http://schemas.microsoft.com/office/powerpoint/2010/main" val="3415841018"/>
+        <p14:creationId xmlns:p14="http://schemas.microsoft.com/office/powerpoint/2010/main" xmlns="" val="3415841018"/>
       </p:ext>
     </p:extLst>
   </p:cSld>
@@ -9528,7 +9528,7 @@
           <p:cNvPr id="2" name="그룹 1">
             <a:extLst>
               <a:ext uri="{FF2B5EF4-FFF2-40B4-BE49-F238E27FC236}">
-                <a16:creationId xmlns:a16="http://schemas.microsoft.com/office/drawing/2014/main" id="{5257EF0A-2959-4F41-A0D7-5FED493DDF9F}"/>
+                <a16:creationId xmlns:a16="http://schemas.microsoft.com/office/drawing/2014/main" xmlns="" id="{5257EF0A-2959-4F41-A0D7-5FED493DDF9F}"/>
               </a:ext>
             </a:extLst>
           </p:cNvPr>
@@ -9548,7 +9548,7 @@
             <p:cNvPr id="9" name="TextBox 8">
               <a:extLst>
                 <a:ext uri="{FF2B5EF4-FFF2-40B4-BE49-F238E27FC236}">
-                  <a16:creationId xmlns:a16="http://schemas.microsoft.com/office/drawing/2014/main" id="{D3947105-6879-445D-B76B-D5EFC8256F29}"/>
+                  <a16:creationId xmlns:a16="http://schemas.microsoft.com/office/drawing/2014/main" xmlns="" id="{D3947105-6879-445D-B76B-D5EFC8256F29}"/>
                 </a:ext>
               </a:extLst>
             </p:cNvPr>
@@ -9623,7 +9623,7 @@
             <p:cNvPr id="14" name="TextBox 13">
               <a:extLst>
                 <a:ext uri="{FF2B5EF4-FFF2-40B4-BE49-F238E27FC236}">
-                  <a16:creationId xmlns:a16="http://schemas.microsoft.com/office/drawing/2014/main" id="{7A9521EC-3235-494C-93F6-585BC9C3B43E}"/>
+                  <a16:creationId xmlns:a16="http://schemas.microsoft.com/office/drawing/2014/main" xmlns="" id="{7A9521EC-3235-494C-93F6-585BC9C3B43E}"/>
                 </a:ext>
               </a:extLst>
             </p:cNvPr>
@@ -9669,7 +9669,7 @@
             <p:cNvPr id="3" name="그룹 24">
               <a:extLst>
                 <a:ext uri="{FF2B5EF4-FFF2-40B4-BE49-F238E27FC236}">
-                  <a16:creationId xmlns:a16="http://schemas.microsoft.com/office/drawing/2014/main" id="{1D2D99A6-C3A5-455C-8184-43DACE6D4904}"/>
+                  <a16:creationId xmlns:a16="http://schemas.microsoft.com/office/drawing/2014/main" xmlns="" id="{1D2D99A6-C3A5-455C-8184-43DACE6D4904}"/>
                 </a:ext>
               </a:extLst>
             </p:cNvPr>
@@ -9689,7 +9689,7 @@
               <p:cNvPr id="5" name="직선 연결선 4">
                 <a:extLst>
                   <a:ext uri="{FF2B5EF4-FFF2-40B4-BE49-F238E27FC236}">
-                    <a16:creationId xmlns:a16="http://schemas.microsoft.com/office/drawing/2014/main" id="{F3920279-48F9-42E9-8322-AE444CC499BF}"/>
+                    <a16:creationId xmlns:a16="http://schemas.microsoft.com/office/drawing/2014/main" xmlns="" id="{F3920279-48F9-42E9-8322-AE444CC499BF}"/>
                   </a:ext>
                 </a:extLst>
               </p:cNvPr>
@@ -9738,7 +9738,7 @@
               <p:cNvPr id="7" name="직사각형 6">
                 <a:extLst>
                   <a:ext uri="{FF2B5EF4-FFF2-40B4-BE49-F238E27FC236}">
-                    <a16:creationId xmlns:a16="http://schemas.microsoft.com/office/drawing/2014/main" id="{54FF5575-BD81-49D6-BF4F-81749C4C22BA}"/>
+                    <a16:creationId xmlns:a16="http://schemas.microsoft.com/office/drawing/2014/main" xmlns="" id="{54FF5575-BD81-49D6-BF4F-81749C4C22BA}"/>
                   </a:ext>
                 </a:extLst>
               </p:cNvPr>
@@ -9797,7 +9797,7 @@
           <p:cNvPr id="11" name="그림 10">
             <a:extLst>
               <a:ext uri="{FF2B5EF4-FFF2-40B4-BE49-F238E27FC236}">
-                <a16:creationId xmlns:a16="http://schemas.microsoft.com/office/drawing/2014/main" id="{63FA9DA7-248E-41A7-8482-CB899B3407EF}"/>
+                <a16:creationId xmlns:a16="http://schemas.microsoft.com/office/drawing/2014/main" xmlns="" id="{63FA9DA7-248E-41A7-8482-CB899B3407EF}"/>
               </a:ext>
             </a:extLst>
           </p:cNvPr>
@@ -9810,7 +9810,7 @@
           <a:blip r:embed="rId3" cstate="print">
             <a:extLst>
               <a:ext uri="{28A0092B-C50C-407E-A947-70E740481C1C}">
-                <a14:useLocalDpi xmlns:a14="http://schemas.microsoft.com/office/drawing/2010/main" val="0"/>
+                <a14:useLocalDpi xmlns:a14="http://schemas.microsoft.com/office/drawing/2010/main" xmlns="" val="0"/>
               </a:ext>
             </a:extLst>
           </a:blip>
@@ -9833,7 +9833,7 @@
           <p:cNvPr id="4" name="슬라이드 번호 개체 틀 3">
             <a:extLst>
               <a:ext uri="{FF2B5EF4-FFF2-40B4-BE49-F238E27FC236}">
-                <a16:creationId xmlns:a16="http://schemas.microsoft.com/office/drawing/2014/main" id="{FB59B2E2-F81E-40F9-BBEB-890FC880B656}"/>
+                <a16:creationId xmlns:a16="http://schemas.microsoft.com/office/drawing/2014/main" xmlns="" id="{FB59B2E2-F81E-40F9-BBEB-890FC880B656}"/>
               </a:ext>
             </a:extLst>
           </p:cNvPr>
@@ -9861,7 +9861,7 @@
     </p:spTree>
     <p:extLst>
       <p:ext uri="{BB962C8B-B14F-4D97-AF65-F5344CB8AC3E}">
-        <p14:creationId xmlns:p14="http://schemas.microsoft.com/office/powerpoint/2010/main" val="1740037321"/>
+        <p14:creationId xmlns:p14="http://schemas.microsoft.com/office/powerpoint/2010/main" xmlns="" val="1740037321"/>
       </p:ext>
     </p:extLst>
   </p:cSld>
@@ -9971,7 +9971,7 @@
           <p:cNvPr id="12" name="내용 개체 틀 2">
             <a:extLst>
               <a:ext uri="{FF2B5EF4-FFF2-40B4-BE49-F238E27FC236}">
-                <a16:creationId xmlns:a16="http://schemas.microsoft.com/office/drawing/2014/main" id="{13D30B6A-3884-4EF5-8CB1-6EEB784CF809}"/>
+                <a16:creationId xmlns:a16="http://schemas.microsoft.com/office/drawing/2014/main" xmlns="" id="{13D30B6A-3884-4EF5-8CB1-6EEB784CF809}"/>
               </a:ext>
             </a:extLst>
           </p:cNvPr>
@@ -10150,7 +10150,7 @@
           <p:cNvPr id="40" name="내용 개체 틀 2">
             <a:extLst>
               <a:ext uri="{FF2B5EF4-FFF2-40B4-BE49-F238E27FC236}">
-                <a16:creationId xmlns:a16="http://schemas.microsoft.com/office/drawing/2014/main" id="{B187CD99-2E2E-4492-9F30-5E90B33F090F}"/>
+                <a16:creationId xmlns:a16="http://schemas.microsoft.com/office/drawing/2014/main" xmlns="" id="{B187CD99-2E2E-4492-9F30-5E90B33F090F}"/>
               </a:ext>
             </a:extLst>
           </p:cNvPr>
@@ -10352,7 +10352,7 @@
     </p:spTree>
     <p:extLst>
       <p:ext uri="{BB962C8B-B14F-4D97-AF65-F5344CB8AC3E}">
-        <p14:creationId xmlns:p14="http://schemas.microsoft.com/office/powerpoint/2010/main" val="1918500630"/>
+        <p14:creationId xmlns:p14="http://schemas.microsoft.com/office/powerpoint/2010/main" xmlns="" val="1918500630"/>
       </p:ext>
     </p:extLst>
   </p:cSld>
@@ -10462,7 +10462,7 @@
           <p:cNvPr id="12" name="내용 개체 틀 2">
             <a:extLst>
               <a:ext uri="{FF2B5EF4-FFF2-40B4-BE49-F238E27FC236}">
-                <a16:creationId xmlns:a16="http://schemas.microsoft.com/office/drawing/2014/main" id="{13D30B6A-3884-4EF5-8CB1-6EEB784CF809}"/>
+                <a16:creationId xmlns:a16="http://schemas.microsoft.com/office/drawing/2014/main" xmlns="" id="{13D30B6A-3884-4EF5-8CB1-6EEB784CF809}"/>
               </a:ext>
             </a:extLst>
           </p:cNvPr>
@@ -10641,7 +10641,7 @@
           <p:cNvPr id="40" name="내용 개체 틀 2">
             <a:extLst>
               <a:ext uri="{FF2B5EF4-FFF2-40B4-BE49-F238E27FC236}">
-                <a16:creationId xmlns:a16="http://schemas.microsoft.com/office/drawing/2014/main" id="{B187CD99-2E2E-4492-9F30-5E90B33F090F}"/>
+                <a16:creationId xmlns:a16="http://schemas.microsoft.com/office/drawing/2014/main" xmlns="" id="{B187CD99-2E2E-4492-9F30-5E90B33F090F}"/>
               </a:ext>
             </a:extLst>
           </p:cNvPr>
@@ -10843,7 +10843,7 @@
     </p:spTree>
     <p:extLst>
       <p:ext uri="{BB962C8B-B14F-4D97-AF65-F5344CB8AC3E}">
-        <p14:creationId xmlns:p14="http://schemas.microsoft.com/office/powerpoint/2010/main" val="1918500630"/>
+        <p14:creationId xmlns:p14="http://schemas.microsoft.com/office/powerpoint/2010/main" xmlns="" val="1918500630"/>
       </p:ext>
     </p:extLst>
   </p:cSld>
@@ -10953,7 +10953,7 @@
           <p:cNvPr id="12" name="내용 개체 틀 2">
             <a:extLst>
               <a:ext uri="{FF2B5EF4-FFF2-40B4-BE49-F238E27FC236}">
-                <a16:creationId xmlns:a16="http://schemas.microsoft.com/office/drawing/2014/main" id="{13D30B6A-3884-4EF5-8CB1-6EEB784CF809}"/>
+                <a16:creationId xmlns:a16="http://schemas.microsoft.com/office/drawing/2014/main" xmlns="" id="{13D30B6A-3884-4EF5-8CB1-6EEB784CF809}"/>
               </a:ext>
             </a:extLst>
           </p:cNvPr>
@@ -11132,7 +11132,7 @@
           <p:cNvPr id="40" name="내용 개체 틀 2">
             <a:extLst>
               <a:ext uri="{FF2B5EF4-FFF2-40B4-BE49-F238E27FC236}">
-                <a16:creationId xmlns:a16="http://schemas.microsoft.com/office/drawing/2014/main" id="{B187CD99-2E2E-4492-9F30-5E90B33F090F}"/>
+                <a16:creationId xmlns:a16="http://schemas.microsoft.com/office/drawing/2014/main" xmlns="" id="{B187CD99-2E2E-4492-9F30-5E90B33F090F}"/>
               </a:ext>
             </a:extLst>
           </p:cNvPr>
@@ -11336,7 +11336,7 @@
           <p:cNvPr id="8" name="내용 개체 틀 2">
             <a:extLst>
               <a:ext uri="{FF2B5EF4-FFF2-40B4-BE49-F238E27FC236}">
-                <a16:creationId xmlns:a16="http://schemas.microsoft.com/office/drawing/2014/main" id="{13D30B6A-3884-4EF5-8CB1-6EEB784CF809}"/>
+                <a16:creationId xmlns:a16="http://schemas.microsoft.com/office/drawing/2014/main" xmlns="" id="{13D30B6A-3884-4EF5-8CB1-6EEB784CF809}"/>
               </a:ext>
             </a:extLst>
           </p:cNvPr>
@@ -11547,7 +11547,7 @@
           <p:cNvPr id="9" name="내용 개체 틀 2">
             <a:extLst>
               <a:ext uri="{FF2B5EF4-FFF2-40B4-BE49-F238E27FC236}">
-                <a16:creationId xmlns:a16="http://schemas.microsoft.com/office/drawing/2014/main" id="{13D30B6A-3884-4EF5-8CB1-6EEB784CF809}"/>
+                <a16:creationId xmlns:a16="http://schemas.microsoft.com/office/drawing/2014/main" xmlns="" id="{13D30B6A-3884-4EF5-8CB1-6EEB784CF809}"/>
               </a:ext>
             </a:extLst>
           </p:cNvPr>
@@ -11736,7 +11736,7 @@
     </p:spTree>
     <p:extLst>
       <p:ext uri="{BB962C8B-B14F-4D97-AF65-F5344CB8AC3E}">
-        <p14:creationId xmlns:p14="http://schemas.microsoft.com/office/powerpoint/2010/main" val="1918500630"/>
+        <p14:creationId xmlns:p14="http://schemas.microsoft.com/office/powerpoint/2010/main" xmlns="" val="1918500630"/>
       </p:ext>
     </p:extLst>
   </p:cSld>
@@ -12051,11 +12051,11 @@
   <p:clrMapOvr>
     <a:masterClrMapping/>
   </p:clrMapOvr>
-  <mc:AlternateContent xmlns:mc="http://schemas.openxmlformats.org/markup-compatibility/2006" xmlns:p14="http://schemas.microsoft.com/office/powerpoint/2010/main">
-    <mc:Choice Requires="p14">
+  <mc:AlternateContent xmlns:mc="http://schemas.openxmlformats.org/markup-compatibility/2006">
+    <mc:Choice xmlns:p14="http://schemas.microsoft.com/office/powerpoint/2010/main" xmlns="" Requires="p14">
       <p:transition advTm="250"/>
     </mc:Choice>
-    <mc:Fallback xmlns:dsp="http://schemas.microsoft.com/office/drawing/2008/diagram" xmlns:dgm="http://schemas.openxmlformats.org/drawingml/2006/diagram" xmlns:c="http://schemas.openxmlformats.org/drawingml/2006/chart" xmlns="">
+    <mc:Fallback>
       <p:transition/>
     </mc:Fallback>
   </mc:AlternateContent>
@@ -12181,7 +12181,7 @@
           <p:cNvPr id="12" name="내용 개체 틀 2">
             <a:extLst>
               <a:ext uri="{FF2B5EF4-FFF2-40B4-BE49-F238E27FC236}">
-                <a16:creationId xmlns:a16="http://schemas.microsoft.com/office/drawing/2014/main" id="{13D30B6A-3884-4EF5-8CB1-6EEB784CF809}"/>
+                <a16:creationId xmlns:a16="http://schemas.microsoft.com/office/drawing/2014/main" xmlns="" id="{13D30B6A-3884-4EF5-8CB1-6EEB784CF809}"/>
               </a:ext>
             </a:extLst>
           </p:cNvPr>
@@ -12360,7 +12360,7 @@
           <p:cNvPr id="40" name="내용 개체 틀 2">
             <a:extLst>
               <a:ext uri="{FF2B5EF4-FFF2-40B4-BE49-F238E27FC236}">
-                <a16:creationId xmlns:a16="http://schemas.microsoft.com/office/drawing/2014/main" id="{B187CD99-2E2E-4492-9F30-5E90B33F090F}"/>
+                <a16:creationId xmlns:a16="http://schemas.microsoft.com/office/drawing/2014/main" xmlns="" id="{B187CD99-2E2E-4492-9F30-5E90B33F090F}"/>
               </a:ext>
             </a:extLst>
           </p:cNvPr>
@@ -12564,7 +12564,7 @@
           <p:cNvPr id="8" name="내용 개체 틀 2">
             <a:extLst>
               <a:ext uri="{FF2B5EF4-FFF2-40B4-BE49-F238E27FC236}">
-                <a16:creationId xmlns:a16="http://schemas.microsoft.com/office/drawing/2014/main" id="{13D30B6A-3884-4EF5-8CB1-6EEB784CF809}"/>
+                <a16:creationId xmlns:a16="http://schemas.microsoft.com/office/drawing/2014/main" xmlns="" id="{13D30B6A-3884-4EF5-8CB1-6EEB784CF809}"/>
               </a:ext>
             </a:extLst>
           </p:cNvPr>
@@ -12587,7 +12587,7 @@
         </p:spPr>
         <p:txBody>
           <a:bodyPr vert="horz" lIns="91440" tIns="45720" rIns="91440" bIns="45720" rtlCol="0">
-            <a:normAutofit/>
+            <a:normAutofit fontScale="92500"/>
           </a:bodyPr>
           <a:lstStyle>
             <a:lvl1pPr marL="342900" indent="-342900" algn="l" defTabSz="914400" rtl="0" eaLnBrk="1" latinLnBrk="1" hangingPunct="1">
@@ -12758,7 +12758,7 @@
           <p:cNvPr id="9" name="내용 개체 틀 2">
             <a:extLst>
               <a:ext uri="{FF2B5EF4-FFF2-40B4-BE49-F238E27FC236}">
-                <a16:creationId xmlns:a16="http://schemas.microsoft.com/office/drawing/2014/main" id="{13D30B6A-3884-4EF5-8CB1-6EEB784CF809}"/>
+                <a16:creationId xmlns:a16="http://schemas.microsoft.com/office/drawing/2014/main" xmlns="" id="{13D30B6A-3884-4EF5-8CB1-6EEB784CF809}"/>
               </a:ext>
             </a:extLst>
           </p:cNvPr>
@@ -12947,7 +12947,7 @@
     </p:spTree>
     <p:extLst>
       <p:ext uri="{BB962C8B-B14F-4D97-AF65-F5344CB8AC3E}">
-        <p14:creationId xmlns:p14="http://schemas.microsoft.com/office/powerpoint/2010/main" val="1918500630"/>
+        <p14:creationId xmlns:p14="http://schemas.microsoft.com/office/powerpoint/2010/main" xmlns="" val="1918500630"/>
       </p:ext>
     </p:extLst>
   </p:cSld>
@@ -13067,7 +13067,7 @@
           <p:cNvPr id="12" name="내용 개체 틀 2">
             <a:extLst>
               <a:ext uri="{FF2B5EF4-FFF2-40B4-BE49-F238E27FC236}">
-                <a16:creationId xmlns:a16="http://schemas.microsoft.com/office/drawing/2014/main" id="{13D30B6A-3884-4EF5-8CB1-6EEB784CF809}"/>
+                <a16:creationId xmlns:a16="http://schemas.microsoft.com/office/drawing/2014/main" xmlns="" id="{13D30B6A-3884-4EF5-8CB1-6EEB784CF809}"/>
               </a:ext>
             </a:extLst>
           </p:cNvPr>
@@ -13246,7 +13246,7 @@
           <p:cNvPr id="40" name="내용 개체 틀 2">
             <a:extLst>
               <a:ext uri="{FF2B5EF4-FFF2-40B4-BE49-F238E27FC236}">
-                <a16:creationId xmlns:a16="http://schemas.microsoft.com/office/drawing/2014/main" id="{B187CD99-2E2E-4492-9F30-5E90B33F090F}"/>
+                <a16:creationId xmlns:a16="http://schemas.microsoft.com/office/drawing/2014/main" xmlns="" id="{B187CD99-2E2E-4492-9F30-5E90B33F090F}"/>
               </a:ext>
             </a:extLst>
           </p:cNvPr>
@@ -13448,7 +13448,7 @@
     </p:spTree>
     <p:extLst>
       <p:ext uri="{BB962C8B-B14F-4D97-AF65-F5344CB8AC3E}">
-        <p14:creationId xmlns:p14="http://schemas.microsoft.com/office/powerpoint/2010/main" val="1918500630"/>
+        <p14:creationId xmlns:p14="http://schemas.microsoft.com/office/powerpoint/2010/main" xmlns="" val="1918500630"/>
       </p:ext>
     </p:extLst>
   </p:cSld>
@@ -13568,7 +13568,7 @@
           <p:cNvPr id="12" name="내용 개체 틀 2">
             <a:extLst>
               <a:ext uri="{FF2B5EF4-FFF2-40B4-BE49-F238E27FC236}">
-                <a16:creationId xmlns:a16="http://schemas.microsoft.com/office/drawing/2014/main" id="{13D30B6A-3884-4EF5-8CB1-6EEB784CF809}"/>
+                <a16:creationId xmlns:a16="http://schemas.microsoft.com/office/drawing/2014/main" xmlns="" id="{13D30B6A-3884-4EF5-8CB1-6EEB784CF809}"/>
               </a:ext>
             </a:extLst>
           </p:cNvPr>
@@ -13747,7 +13747,7 @@
           <p:cNvPr id="40" name="내용 개체 틀 2">
             <a:extLst>
               <a:ext uri="{FF2B5EF4-FFF2-40B4-BE49-F238E27FC236}">
-                <a16:creationId xmlns:a16="http://schemas.microsoft.com/office/drawing/2014/main" id="{B187CD99-2E2E-4492-9F30-5E90B33F090F}"/>
+                <a16:creationId xmlns:a16="http://schemas.microsoft.com/office/drawing/2014/main" xmlns="" id="{B187CD99-2E2E-4492-9F30-5E90B33F090F}"/>
               </a:ext>
             </a:extLst>
           </p:cNvPr>
@@ -14093,7 +14093,7 @@
     </p:spTree>
     <p:extLst>
       <p:ext uri="{BB962C8B-B14F-4D97-AF65-F5344CB8AC3E}">
-        <p14:creationId xmlns:p14="http://schemas.microsoft.com/office/powerpoint/2010/main" val="1918500630"/>
+        <p14:creationId xmlns:p14="http://schemas.microsoft.com/office/powerpoint/2010/main" xmlns="" val="1918500630"/>
       </p:ext>
     </p:extLst>
   </p:cSld>
@@ -14213,7 +14213,7 @@
           <p:cNvPr id="12" name="내용 개체 틀 2">
             <a:extLst>
               <a:ext uri="{FF2B5EF4-FFF2-40B4-BE49-F238E27FC236}">
-                <a16:creationId xmlns:a16="http://schemas.microsoft.com/office/drawing/2014/main" id="{13D30B6A-3884-4EF5-8CB1-6EEB784CF809}"/>
+                <a16:creationId xmlns:a16="http://schemas.microsoft.com/office/drawing/2014/main" xmlns="" id="{13D30B6A-3884-4EF5-8CB1-6EEB784CF809}"/>
               </a:ext>
             </a:extLst>
           </p:cNvPr>
@@ -14392,7 +14392,7 @@
           <p:cNvPr id="40" name="내용 개체 틀 2">
             <a:extLst>
               <a:ext uri="{FF2B5EF4-FFF2-40B4-BE49-F238E27FC236}">
-                <a16:creationId xmlns:a16="http://schemas.microsoft.com/office/drawing/2014/main" id="{B187CD99-2E2E-4492-9F30-5E90B33F090F}"/>
+                <a16:creationId xmlns:a16="http://schemas.microsoft.com/office/drawing/2014/main" xmlns="" id="{B187CD99-2E2E-4492-9F30-5E90B33F090F}"/>
               </a:ext>
             </a:extLst>
           </p:cNvPr>
@@ -14570,7 +14570,7 @@
           <p:cNvPr id="8" name="내용 개체 틀 2">
             <a:extLst>
               <a:ext uri="{FF2B5EF4-FFF2-40B4-BE49-F238E27FC236}">
-                <a16:creationId xmlns:a16="http://schemas.microsoft.com/office/drawing/2014/main" id="{13D30B6A-3884-4EF5-8CB1-6EEB784CF809}"/>
+                <a16:creationId xmlns:a16="http://schemas.microsoft.com/office/drawing/2014/main" xmlns="" id="{13D30B6A-3884-4EF5-8CB1-6EEB784CF809}"/>
               </a:ext>
             </a:extLst>
           </p:cNvPr>
@@ -14593,7 +14593,7 @@
         </p:spPr>
         <p:txBody>
           <a:bodyPr vert="horz" lIns="91440" tIns="45720" rIns="91440" bIns="45720" rtlCol="0">
-            <a:normAutofit/>
+            <a:normAutofit fontScale="92500"/>
           </a:bodyPr>
           <a:lstStyle>
             <a:lvl1pPr marL="342900" indent="-342900" algn="l" defTabSz="914400" rtl="0" eaLnBrk="1" latinLnBrk="1" hangingPunct="1">
@@ -14764,7 +14764,7 @@
           <p:cNvPr id="9" name="내용 개체 틀 2">
             <a:extLst>
               <a:ext uri="{FF2B5EF4-FFF2-40B4-BE49-F238E27FC236}">
-                <a16:creationId xmlns:a16="http://schemas.microsoft.com/office/drawing/2014/main" id="{13D30B6A-3884-4EF5-8CB1-6EEB784CF809}"/>
+                <a16:creationId xmlns:a16="http://schemas.microsoft.com/office/drawing/2014/main" xmlns="" id="{13D30B6A-3884-4EF5-8CB1-6EEB784CF809}"/>
               </a:ext>
             </a:extLst>
           </p:cNvPr>
@@ -14981,7 +14981,7 @@
           <p:cNvPr id="10" name="내용 개체 틀 2">
             <a:extLst>
               <a:ext uri="{FF2B5EF4-FFF2-40B4-BE49-F238E27FC236}">
-                <a16:creationId xmlns:a16="http://schemas.microsoft.com/office/drawing/2014/main" id="{13D30B6A-3884-4EF5-8CB1-6EEB784CF809}"/>
+                <a16:creationId xmlns:a16="http://schemas.microsoft.com/office/drawing/2014/main" xmlns="" id="{13D30B6A-3884-4EF5-8CB1-6EEB784CF809}"/>
               </a:ext>
             </a:extLst>
           </p:cNvPr>
@@ -15163,7 +15163,7 @@
     </p:spTree>
     <p:extLst>
       <p:ext uri="{BB962C8B-B14F-4D97-AF65-F5344CB8AC3E}">
-        <p14:creationId xmlns:p14="http://schemas.microsoft.com/office/powerpoint/2010/main" val="1918500630"/>
+        <p14:creationId xmlns:p14="http://schemas.microsoft.com/office/powerpoint/2010/main" xmlns="" val="1918500630"/>
       </p:ext>
     </p:extLst>
   </p:cSld>
@@ -15283,7 +15283,7 @@
           <p:cNvPr id="12" name="내용 개체 틀 2">
             <a:extLst>
               <a:ext uri="{FF2B5EF4-FFF2-40B4-BE49-F238E27FC236}">
-                <a16:creationId xmlns:a16="http://schemas.microsoft.com/office/drawing/2014/main" id="{13D30B6A-3884-4EF5-8CB1-6EEB784CF809}"/>
+                <a16:creationId xmlns:a16="http://schemas.microsoft.com/office/drawing/2014/main" xmlns="" id="{13D30B6A-3884-4EF5-8CB1-6EEB784CF809}"/>
               </a:ext>
             </a:extLst>
           </p:cNvPr>
@@ -15462,7 +15462,7 @@
           <p:cNvPr id="40" name="내용 개체 틀 2">
             <a:extLst>
               <a:ext uri="{FF2B5EF4-FFF2-40B4-BE49-F238E27FC236}">
-                <a16:creationId xmlns:a16="http://schemas.microsoft.com/office/drawing/2014/main" id="{B187CD99-2E2E-4492-9F30-5E90B33F090F}"/>
+                <a16:creationId xmlns:a16="http://schemas.microsoft.com/office/drawing/2014/main" xmlns="" id="{B187CD99-2E2E-4492-9F30-5E90B33F090F}"/>
               </a:ext>
             </a:extLst>
           </p:cNvPr>
@@ -15640,7 +15640,7 @@
           <p:cNvPr id="8" name="내용 개체 틀 2">
             <a:extLst>
               <a:ext uri="{FF2B5EF4-FFF2-40B4-BE49-F238E27FC236}">
-                <a16:creationId xmlns:a16="http://schemas.microsoft.com/office/drawing/2014/main" id="{13D30B6A-3884-4EF5-8CB1-6EEB784CF809}"/>
+                <a16:creationId xmlns:a16="http://schemas.microsoft.com/office/drawing/2014/main" xmlns="" id="{13D30B6A-3884-4EF5-8CB1-6EEB784CF809}"/>
               </a:ext>
             </a:extLst>
           </p:cNvPr>
@@ -15834,7 +15834,7 @@
           <p:cNvPr id="9" name="내용 개체 틀 2">
             <a:extLst>
               <a:ext uri="{FF2B5EF4-FFF2-40B4-BE49-F238E27FC236}">
-                <a16:creationId xmlns:a16="http://schemas.microsoft.com/office/drawing/2014/main" id="{13D30B6A-3884-4EF5-8CB1-6EEB784CF809}"/>
+                <a16:creationId xmlns:a16="http://schemas.microsoft.com/office/drawing/2014/main" xmlns="" id="{13D30B6A-3884-4EF5-8CB1-6EEB784CF809}"/>
               </a:ext>
             </a:extLst>
           </p:cNvPr>
@@ -16051,7 +16051,7 @@
           <p:cNvPr id="11" name="내용 개체 틀 2">
             <a:extLst>
               <a:ext uri="{FF2B5EF4-FFF2-40B4-BE49-F238E27FC236}">
-                <a16:creationId xmlns:a16="http://schemas.microsoft.com/office/drawing/2014/main" id="{13D30B6A-3884-4EF5-8CB1-6EEB784CF809}"/>
+                <a16:creationId xmlns:a16="http://schemas.microsoft.com/office/drawing/2014/main" xmlns="" id="{13D30B6A-3884-4EF5-8CB1-6EEB784CF809}"/>
               </a:ext>
             </a:extLst>
           </p:cNvPr>
@@ -16233,7 +16233,7 @@
     </p:spTree>
     <p:extLst>
       <p:ext uri="{BB962C8B-B14F-4D97-AF65-F5344CB8AC3E}">
-        <p14:creationId xmlns:p14="http://schemas.microsoft.com/office/powerpoint/2010/main" val="1918500630"/>
+        <p14:creationId xmlns:p14="http://schemas.microsoft.com/office/powerpoint/2010/main" xmlns="" val="1918500630"/>
       </p:ext>
     </p:extLst>
   </p:cSld>
@@ -16356,7 +16356,7 @@
           <p:cNvPr id="18" name="슬라이드 번호 개체 틀 17">
             <a:extLst>
               <a:ext uri="{FF2B5EF4-FFF2-40B4-BE49-F238E27FC236}">
-                <a16:creationId xmlns:a16="http://schemas.microsoft.com/office/drawing/2014/main" id="{80E74BDD-2288-4955-BCED-8609EFDE5904}"/>
+                <a16:creationId xmlns:a16="http://schemas.microsoft.com/office/drawing/2014/main" xmlns="" id="{80E74BDD-2288-4955-BCED-8609EFDE5904}"/>
               </a:ext>
             </a:extLst>
           </p:cNvPr>
@@ -16386,7 +16386,7 @@
           <p:cNvPr id="10" name="내용 개체 틀 2">
             <a:extLst>
               <a:ext uri="{FF2B5EF4-FFF2-40B4-BE49-F238E27FC236}">
-                <a16:creationId xmlns:a16="http://schemas.microsoft.com/office/drawing/2014/main" id="{13D30B6A-3884-4EF5-8CB1-6EEB784CF809}"/>
+                <a16:creationId xmlns:a16="http://schemas.microsoft.com/office/drawing/2014/main" xmlns="" id="{13D30B6A-3884-4EF5-8CB1-6EEB784CF809}"/>
               </a:ext>
             </a:extLst>
           </p:cNvPr>
@@ -16687,7 +16687,7 @@
           <p:cNvPr id="6" name="그림 5">
             <a:extLst>
               <a:ext uri="{FF2B5EF4-FFF2-40B4-BE49-F238E27FC236}">
-                <a16:creationId xmlns:a16="http://schemas.microsoft.com/office/drawing/2014/main" id="{389A2DA3-1E19-4FE9-B835-98AEDFC77F8F}"/>
+                <a16:creationId xmlns:a16="http://schemas.microsoft.com/office/drawing/2014/main" xmlns="" id="{389A2DA3-1E19-4FE9-B835-98AEDFC77F8F}"/>
               </a:ext>
             </a:extLst>
           </p:cNvPr>
@@ -16700,7 +16700,7 @@
           <a:blip r:embed="rId3" cstate="print">
             <a:extLst>
               <a:ext uri="{28A0092B-C50C-407E-A947-70E740481C1C}">
-                <a14:useLocalDpi xmlns:a14="http://schemas.microsoft.com/office/drawing/2010/main" val="0"/>
+                <a14:useLocalDpi xmlns:a14="http://schemas.microsoft.com/office/drawing/2010/main" xmlns="" val="0"/>
               </a:ext>
             </a:extLst>
           </a:blip>
@@ -16723,7 +16723,7 @@
           <p:cNvPr id="11" name="내용 개체 틀 2">
             <a:extLst>
               <a:ext uri="{FF2B5EF4-FFF2-40B4-BE49-F238E27FC236}">
-                <a16:creationId xmlns:a16="http://schemas.microsoft.com/office/drawing/2014/main" id="{13D30B6A-3884-4EF5-8CB1-6EEB784CF809}"/>
+                <a16:creationId xmlns:a16="http://schemas.microsoft.com/office/drawing/2014/main" xmlns="" id="{13D30B6A-3884-4EF5-8CB1-6EEB784CF809}"/>
               </a:ext>
             </a:extLst>
           </p:cNvPr>
@@ -16904,7 +16904,7 @@
           <p:cNvPr id="8" name="내용 개체 틀 2">
             <a:extLst>
               <a:ext uri="{FF2B5EF4-FFF2-40B4-BE49-F238E27FC236}">
-                <a16:creationId xmlns:a16="http://schemas.microsoft.com/office/drawing/2014/main" id="{13D30B6A-3884-4EF5-8CB1-6EEB784CF809}"/>
+                <a16:creationId xmlns:a16="http://schemas.microsoft.com/office/drawing/2014/main" xmlns="" id="{13D30B6A-3884-4EF5-8CB1-6EEB784CF809}"/>
               </a:ext>
             </a:extLst>
           </p:cNvPr>
@@ -17211,7 +17211,7 @@
     </p:spTree>
     <p:extLst>
       <p:ext uri="{BB962C8B-B14F-4D97-AF65-F5344CB8AC3E}">
-        <p14:creationId xmlns:p14="http://schemas.microsoft.com/office/powerpoint/2010/main" val="23271494"/>
+        <p14:creationId xmlns:p14="http://schemas.microsoft.com/office/powerpoint/2010/main" xmlns="" val="23271494"/>
       </p:ext>
     </p:extLst>
   </p:cSld>
@@ -17372,11 +17372,11 @@
   <p:clrMapOvr>
     <a:masterClrMapping/>
   </p:clrMapOvr>
-  <mc:AlternateContent xmlns:mc="http://schemas.openxmlformats.org/markup-compatibility/2006" xmlns:p14="http://schemas.microsoft.com/office/powerpoint/2010/main">
-    <mc:Choice Requires="p14">
+  <mc:AlternateContent xmlns:mc="http://schemas.openxmlformats.org/markup-compatibility/2006">
+    <mc:Choice xmlns:p14="http://schemas.microsoft.com/office/powerpoint/2010/main" xmlns="" Requires="p14">
       <p:transition/>
     </mc:Choice>
-    <mc:Fallback xmlns:dsp="http://schemas.microsoft.com/office/drawing/2008/diagram" xmlns:dgm="http://schemas.openxmlformats.org/drawingml/2006/diagram" xmlns:c="http://schemas.openxmlformats.org/drawingml/2006/chart" xmlns="">
+    <mc:Fallback>
       <p:transition/>
     </mc:Fallback>
   </mc:AlternateContent>
@@ -17801,11 +17801,11 @@
   <p:clrMapOvr>
     <a:masterClrMapping/>
   </p:clrMapOvr>
-  <mc:AlternateContent xmlns:mc="http://schemas.openxmlformats.org/markup-compatibility/2006" xmlns:p14="http://schemas.microsoft.com/office/powerpoint/2010/main">
-    <mc:Choice Requires="p14">
+  <mc:AlternateContent xmlns:mc="http://schemas.openxmlformats.org/markup-compatibility/2006">
+    <mc:Choice xmlns:p14="http://schemas.microsoft.com/office/powerpoint/2010/main" xmlns="" Requires="p14">
       <p:transition advTm="297"/>
     </mc:Choice>
-    <mc:Fallback xmlns:dsp="http://schemas.microsoft.com/office/drawing/2008/diagram" xmlns:dgm="http://schemas.openxmlformats.org/drawingml/2006/diagram" xmlns:c="http://schemas.openxmlformats.org/drawingml/2006/chart" xmlns="">
+    <mc:Fallback>
       <p:transition/>
     </mc:Fallback>
   </mc:AlternateContent>
@@ -18487,28 +18487,28 @@
                 <a:gridCol w="1019908">
                   <a:extLst>
                     <a:ext uri="{9D8B030D-6E8A-4147-A177-3AD203B41FA5}">
-                      <a16:colId xmlns:a16="http://schemas.microsoft.com/office/drawing/2014/main" val="20000"/>
+                      <a16:colId xmlns:a16="http://schemas.microsoft.com/office/drawing/2014/main" xmlns="" val="20000"/>
                     </a:ext>
                   </a:extLst>
                 </a:gridCol>
                 <a:gridCol w="1593606">
                   <a:extLst>
                     <a:ext uri="{9D8B030D-6E8A-4147-A177-3AD203B41FA5}">
-                      <a16:colId xmlns:a16="http://schemas.microsoft.com/office/drawing/2014/main" val="20001"/>
+                      <a16:colId xmlns:a16="http://schemas.microsoft.com/office/drawing/2014/main" xmlns="" val="20001"/>
                     </a:ext>
                   </a:extLst>
                 </a:gridCol>
                 <a:gridCol w="1593606">
                   <a:extLst>
                     <a:ext uri="{9D8B030D-6E8A-4147-A177-3AD203B41FA5}">
-                      <a16:colId xmlns:a16="http://schemas.microsoft.com/office/drawing/2014/main" val="20002"/>
+                      <a16:colId xmlns:a16="http://schemas.microsoft.com/office/drawing/2014/main" xmlns="" val="20002"/>
                     </a:ext>
                   </a:extLst>
                 </a:gridCol>
                 <a:gridCol w="1593606">
                   <a:extLst>
                     <a:ext uri="{9D8B030D-6E8A-4147-A177-3AD203B41FA5}">
-                      <a16:colId xmlns:a16="http://schemas.microsoft.com/office/drawing/2014/main" val="20003"/>
+                      <a16:colId xmlns:a16="http://schemas.microsoft.com/office/drawing/2014/main" xmlns="" val="20003"/>
                     </a:ext>
                   </a:extLst>
                 </a:gridCol>
@@ -18777,7 +18777,7 @@
                 </a:tc>
                 <a:extLst>
                   <a:ext uri="{0D108BD9-81ED-4DB2-BD59-A6C34878D82A}">
-                    <a16:rowId xmlns:a16="http://schemas.microsoft.com/office/drawing/2014/main" val="10000"/>
+                    <a16:rowId xmlns:a16="http://schemas.microsoft.com/office/drawing/2014/main" xmlns="" val="10000"/>
                   </a:ext>
                 </a:extLst>
               </a:tr>
@@ -19039,7 +19039,7 @@
                 </a:tc>
                 <a:extLst>
                   <a:ext uri="{0D108BD9-81ED-4DB2-BD59-A6C34878D82A}">
-                    <a16:rowId xmlns:a16="http://schemas.microsoft.com/office/drawing/2014/main" val="10001"/>
+                    <a16:rowId xmlns:a16="http://schemas.microsoft.com/office/drawing/2014/main" xmlns="" val="10001"/>
                   </a:ext>
                 </a:extLst>
               </a:tr>
@@ -19301,7 +19301,7 @@
                 </a:tc>
                 <a:extLst>
                   <a:ext uri="{0D108BD9-81ED-4DB2-BD59-A6C34878D82A}">
-                    <a16:rowId xmlns:a16="http://schemas.microsoft.com/office/drawing/2014/main" val="10002"/>
+                    <a16:rowId xmlns:a16="http://schemas.microsoft.com/office/drawing/2014/main" xmlns="" val="10002"/>
                   </a:ext>
                 </a:extLst>
               </a:tr>
@@ -19563,7 +19563,7 @@
                 </a:tc>
                 <a:extLst>
                   <a:ext uri="{0D108BD9-81ED-4DB2-BD59-A6C34878D82A}">
-                    <a16:rowId xmlns:a16="http://schemas.microsoft.com/office/drawing/2014/main" val="10003"/>
+                    <a16:rowId xmlns:a16="http://schemas.microsoft.com/office/drawing/2014/main" xmlns="" val="10003"/>
                   </a:ext>
                 </a:extLst>
               </a:tr>
@@ -19825,7 +19825,7 @@
                 </a:tc>
                 <a:extLst>
                   <a:ext uri="{0D108BD9-81ED-4DB2-BD59-A6C34878D82A}">
-                    <a16:rowId xmlns:a16="http://schemas.microsoft.com/office/drawing/2014/main" val="10004"/>
+                    <a16:rowId xmlns:a16="http://schemas.microsoft.com/office/drawing/2014/main" xmlns="" val="10004"/>
                   </a:ext>
                 </a:extLst>
               </a:tr>
@@ -20087,7 +20087,7 @@
                 </a:tc>
                 <a:extLst>
                   <a:ext uri="{0D108BD9-81ED-4DB2-BD59-A6C34878D82A}">
-                    <a16:rowId xmlns:a16="http://schemas.microsoft.com/office/drawing/2014/main" val="10005"/>
+                    <a16:rowId xmlns:a16="http://schemas.microsoft.com/office/drawing/2014/main" xmlns="" val="10005"/>
                   </a:ext>
                 </a:extLst>
               </a:tr>
@@ -20100,11 +20100,11 @@
   <p:clrMapOvr>
     <a:masterClrMapping/>
   </p:clrMapOvr>
-  <mc:AlternateContent xmlns:mc="http://schemas.openxmlformats.org/markup-compatibility/2006" xmlns:p14="http://schemas.microsoft.com/office/powerpoint/2010/main">
-    <mc:Choice Requires="p14">
+  <mc:AlternateContent xmlns:mc="http://schemas.openxmlformats.org/markup-compatibility/2006">
+    <mc:Choice xmlns:p14="http://schemas.microsoft.com/office/powerpoint/2010/main" xmlns="" Requires="p14">
       <p:transition advTm="203"/>
     </mc:Choice>
-    <mc:Fallback xmlns:dsp="http://schemas.microsoft.com/office/drawing/2008/diagram" xmlns:dgm="http://schemas.openxmlformats.org/drawingml/2006/diagram" xmlns:c="http://schemas.openxmlformats.org/drawingml/2006/chart" xmlns="">
+    <mc:Fallback>
       <p:transition/>
     </mc:Fallback>
   </mc:AlternateContent>
@@ -20975,11 +20975,11 @@
   <p:clrMapOvr>
     <a:masterClrMapping/>
   </p:clrMapOvr>
-  <mc:AlternateContent xmlns:mc="http://schemas.openxmlformats.org/markup-compatibility/2006" xmlns:p14="http://schemas.microsoft.com/office/powerpoint/2010/main">
-    <mc:Choice Requires="p14">
+  <mc:AlternateContent xmlns:mc="http://schemas.openxmlformats.org/markup-compatibility/2006">
+    <mc:Choice xmlns:p14="http://schemas.microsoft.com/office/powerpoint/2010/main" xmlns="" Requires="p14">
       <p:transition advTm="203"/>
     </mc:Choice>
-    <mc:Fallback xmlns:dsp="http://schemas.microsoft.com/office/drawing/2008/diagram" xmlns:dgm="http://schemas.openxmlformats.org/drawingml/2006/diagram" xmlns:c="http://schemas.openxmlformats.org/drawingml/2006/chart" xmlns="">
+    <mc:Fallback>
       <p:transition/>
     </mc:Fallback>
   </mc:AlternateContent>
@@ -21475,11 +21475,11 @@
   <p:clrMapOvr>
     <a:masterClrMapping/>
   </p:clrMapOvr>
-  <mc:AlternateContent xmlns:mc="http://schemas.openxmlformats.org/markup-compatibility/2006" xmlns:p14="http://schemas.microsoft.com/office/powerpoint/2010/main">
-    <mc:Choice Requires="p14">
+  <mc:AlternateContent xmlns:mc="http://schemas.openxmlformats.org/markup-compatibility/2006">
+    <mc:Choice xmlns:p14="http://schemas.microsoft.com/office/powerpoint/2010/main" xmlns="" Requires="p14">
       <p:transition/>
     </mc:Choice>
-    <mc:Fallback xmlns:dsp="http://schemas.microsoft.com/office/drawing/2008/diagram" xmlns:dgm="http://schemas.openxmlformats.org/drawingml/2006/diagram" xmlns:c="http://schemas.openxmlformats.org/drawingml/2006/chart" xmlns="">
+    <mc:Fallback>
       <p:transition/>
     </mc:Fallback>
   </mc:AlternateContent>
@@ -21788,18 +21788,18 @@
     </p:spTree>
     <p:extLst>
       <p:ext uri="{BB962C8B-B14F-4D97-AF65-F5344CB8AC3E}">
-        <p14:creationId xmlns:p14="http://schemas.microsoft.com/office/powerpoint/2010/main" val="147998162"/>
+        <p14:creationId xmlns:p14="http://schemas.microsoft.com/office/powerpoint/2010/main" xmlns="" val="147998162"/>
       </p:ext>
     </p:extLst>
   </p:cSld>
   <p:clrMapOvr>
     <a:masterClrMapping/>
   </p:clrMapOvr>
-  <mc:AlternateContent xmlns:mc="http://schemas.openxmlformats.org/markup-compatibility/2006" xmlns:p14="http://schemas.microsoft.com/office/powerpoint/2010/main">
-    <mc:Choice Requires="p14">
+  <mc:AlternateContent xmlns:mc="http://schemas.openxmlformats.org/markup-compatibility/2006">
+    <mc:Choice xmlns:p14="http://schemas.microsoft.com/office/powerpoint/2010/main" xmlns="" Requires="p14">
       <p:transition advTm="250"/>
     </mc:Choice>
-    <mc:Fallback xmlns:dsp="http://schemas.microsoft.com/office/drawing/2008/diagram" xmlns:dgm="http://schemas.openxmlformats.org/drawingml/2006/diagram" xmlns:c="http://schemas.openxmlformats.org/drawingml/2006/chart" xmlns="">
+    <mc:Fallback>
       <p:transition/>
     </mc:Fallback>
   </mc:AlternateContent>
@@ -21913,7 +21913,7 @@
           <p:cNvPr id="22" name="그림 21">
             <a:extLst>
               <a:ext uri="{FF2B5EF4-FFF2-40B4-BE49-F238E27FC236}">
-                <a16:creationId xmlns:a16="http://schemas.microsoft.com/office/drawing/2014/main" id="{FCFEE50E-57BA-4DB6-B7EE-66ECDF4A1020}"/>
+                <a16:creationId xmlns:a16="http://schemas.microsoft.com/office/drawing/2014/main" xmlns="" id="{FCFEE50E-57BA-4DB6-B7EE-66ECDF4A1020}"/>
               </a:ext>
             </a:extLst>
           </p:cNvPr>
@@ -21926,7 +21926,7 @@
           <a:blip r:embed="rId3" cstate="print">
             <a:extLst>
               <a:ext uri="{28A0092B-C50C-407E-A947-70E740481C1C}">
-                <a14:useLocalDpi xmlns:a14="http://schemas.microsoft.com/office/drawing/2010/main" val="0"/>
+                <a14:useLocalDpi xmlns:a14="http://schemas.microsoft.com/office/drawing/2010/main" xmlns="" val="0"/>
               </a:ext>
             </a:extLst>
           </a:blip>
@@ -21949,7 +21949,7 @@
           <p:cNvPr id="18" name="TextBox 17">
             <a:extLst>
               <a:ext uri="{FF2B5EF4-FFF2-40B4-BE49-F238E27FC236}">
-                <a16:creationId xmlns:a16="http://schemas.microsoft.com/office/drawing/2014/main" id="{9842D489-1E22-4BAC-A4E7-CB30C20D43FB}"/>
+                <a16:creationId xmlns:a16="http://schemas.microsoft.com/office/drawing/2014/main" xmlns="" id="{9842D489-1E22-4BAC-A4E7-CB30C20D43FB}"/>
               </a:ext>
             </a:extLst>
           </p:cNvPr>
@@ -22517,7 +22517,7 @@
           <p:cNvPr id="6" name="내용 개체 틀 2">
             <a:extLst>
               <a:ext uri="{FF2B5EF4-FFF2-40B4-BE49-F238E27FC236}">
-                <a16:creationId xmlns:a16="http://schemas.microsoft.com/office/drawing/2014/main" id="{FFC3785C-829D-410F-9E15-1D4D13DDE777}"/>
+                <a16:creationId xmlns:a16="http://schemas.microsoft.com/office/drawing/2014/main" xmlns="" id="{FFC3785C-829D-410F-9E15-1D4D13DDE777}"/>
               </a:ext>
             </a:extLst>
           </p:cNvPr>
@@ -22713,7 +22713,7 @@
     </p:spTree>
     <p:extLst>
       <p:ext uri="{BB962C8B-B14F-4D97-AF65-F5344CB8AC3E}">
-        <p14:creationId xmlns:p14="http://schemas.microsoft.com/office/powerpoint/2010/main" val="1884641426"/>
+        <p14:creationId xmlns:p14="http://schemas.microsoft.com/office/powerpoint/2010/main" xmlns="" val="1884641426"/>
       </p:ext>
     </p:extLst>
   </p:cSld>
@@ -22830,7 +22830,7 @@
           <p:cNvPr id="22" name="그림 21">
             <a:extLst>
               <a:ext uri="{FF2B5EF4-FFF2-40B4-BE49-F238E27FC236}">
-                <a16:creationId xmlns:a16="http://schemas.microsoft.com/office/drawing/2014/main" id="{FCFEE50E-57BA-4DB6-B7EE-66ECDF4A1020}"/>
+                <a16:creationId xmlns:a16="http://schemas.microsoft.com/office/drawing/2014/main" xmlns="" id="{FCFEE50E-57BA-4DB6-B7EE-66ECDF4A1020}"/>
               </a:ext>
             </a:extLst>
           </p:cNvPr>
@@ -22843,7 +22843,7 @@
           <a:blip r:embed="rId3" cstate="print">
             <a:extLst>
               <a:ext uri="{28A0092B-C50C-407E-A947-70E740481C1C}">
-                <a14:useLocalDpi xmlns:a14="http://schemas.microsoft.com/office/drawing/2010/main" val="0"/>
+                <a14:useLocalDpi xmlns:a14="http://schemas.microsoft.com/office/drawing/2010/main" xmlns="" val="0"/>
               </a:ext>
             </a:extLst>
           </a:blip>
@@ -22866,7 +22866,7 @@
           <p:cNvPr id="18" name="TextBox 17">
             <a:extLst>
               <a:ext uri="{FF2B5EF4-FFF2-40B4-BE49-F238E27FC236}">
-                <a16:creationId xmlns:a16="http://schemas.microsoft.com/office/drawing/2014/main" id="{9842D489-1E22-4BAC-A4E7-CB30C20D43FB}"/>
+                <a16:creationId xmlns:a16="http://schemas.microsoft.com/office/drawing/2014/main" xmlns="" id="{9842D489-1E22-4BAC-A4E7-CB30C20D43FB}"/>
               </a:ext>
             </a:extLst>
           </p:cNvPr>
@@ -23298,7 +23298,7 @@
           <p:cNvPr id="6" name="내용 개체 틀 2">
             <a:extLst>
               <a:ext uri="{FF2B5EF4-FFF2-40B4-BE49-F238E27FC236}">
-                <a16:creationId xmlns:a16="http://schemas.microsoft.com/office/drawing/2014/main" id="{FFC3785C-829D-410F-9E15-1D4D13DDE777}"/>
+                <a16:creationId xmlns:a16="http://schemas.microsoft.com/office/drawing/2014/main" xmlns="" id="{FFC3785C-829D-410F-9E15-1D4D13DDE777}"/>
               </a:ext>
             </a:extLst>
           </p:cNvPr>
@@ -23494,7 +23494,7 @@
     </p:spTree>
     <p:extLst>
       <p:ext uri="{BB962C8B-B14F-4D97-AF65-F5344CB8AC3E}">
-        <p14:creationId xmlns:p14="http://schemas.microsoft.com/office/powerpoint/2010/main" val="144532798"/>
+        <p14:creationId xmlns:p14="http://schemas.microsoft.com/office/powerpoint/2010/main" xmlns="" val="144532798"/>
       </p:ext>
     </p:extLst>
   </p:cSld>
